--- a/Customer_Sentiment_Analysis_in_short_term_rental_industry/DAB402_CapstoneProject_FinalPresentation.pptx
+++ b/Customer_Sentiment_Analysis_in_short_term_rental_industry/DAB402_CapstoneProject_FinalPresentation.pptx
@@ -5183,7 +5183,7 @@
           <a:p>
             <a:fld id="{45798A7F-D498-4120-9924-8785FCB819A4}" type="datetimeFigureOut">
               <a:rPr lang="en-CA" smtClean="0"/>
-              <a:t>2021-04-08</a:t>
+              <a:t>2021-07-12</a:t>
             </a:fld>
             <a:endParaRPr lang="en-CA"/>
           </a:p>
@@ -6340,7 +6340,7 @@
           <a:p>
             <a:fld id="{EA0C0817-A112-4847-8014-A94B7D2A4EA3}" type="datetime1">
               <a:rPr lang="en-US" smtClean="0"/>
-              <a:t>4/8/2021</a:t>
+              <a:t>7/12/2021</a:t>
             </a:fld>
             <a:endParaRPr lang="en-US" dirty="0"/>
           </a:p>
@@ -6542,7 +6542,7 @@
           <a:p>
             <a:fld id="{7332B432-ACDA-4023-A761-2BAB76577B62}" type="datetime1">
               <a:rPr lang="en-US" smtClean="0"/>
-              <a:t>4/8/2021</a:t>
+              <a:t>7/12/2021</a:t>
             </a:fld>
             <a:endParaRPr lang="en-US" dirty="0"/>
           </a:p>
@@ -7141,7 +7141,7 @@
           <a:p>
             <a:fld id="{D9C646AA-F36E-4540-911D-FFFC0A0EF24A}" type="datetime1">
               <a:rPr lang="en-US" smtClean="0"/>
-              <a:t>4/8/2021</a:t>
+              <a:t>7/12/2021</a:t>
             </a:fld>
             <a:endParaRPr lang="en-US" dirty="0"/>
           </a:p>
@@ -7461,7 +7461,7 @@
           <a:p>
             <a:fld id="{69186D26-FA5F-4637-B602-B7C2DC34CFD4}" type="datetime1">
               <a:rPr lang="en-US" smtClean="0"/>
-              <a:t>4/8/2021</a:t>
+              <a:t>7/12/2021</a:t>
             </a:fld>
             <a:endParaRPr lang="en-US" dirty="0"/>
           </a:p>
@@ -7898,7 +7898,7 @@
           <a:p>
             <a:fld id="{8A7F15D8-96D1-4781-BC50-CA8A088B2FE4}" type="datetime1">
               <a:rPr lang="en-US" smtClean="0"/>
-              <a:t>4/8/2021</a:t>
+              <a:t>7/12/2021</a:t>
             </a:fld>
             <a:endParaRPr lang="en-US" dirty="0"/>
           </a:p>
@@ -8016,7 +8016,7 @@
           <a:p>
             <a:fld id="{F9A96C99-B8F8-4528-BD05-0E16E943DC09}" type="datetime1">
               <a:rPr lang="en-US" smtClean="0"/>
-              <a:t>4/8/2021</a:t>
+              <a:t>7/12/2021</a:t>
             </a:fld>
             <a:endParaRPr lang="en-US" dirty="0"/>
           </a:p>
@@ -8111,7 +8111,7 @@
           <a:p>
             <a:fld id="{03636942-C211-4B28-8DBD-C953E00AF71B}" type="datetime1">
               <a:rPr lang="en-US" smtClean="0"/>
-              <a:t>4/8/2021</a:t>
+              <a:t>7/12/2021</a:t>
             </a:fld>
             <a:endParaRPr lang="en-US" dirty="0"/>
           </a:p>
@@ -8528,7 +8528,7 @@
           <a:p>
             <a:fld id="{7E8D12A6-918A-48BD-8CB9-CA713993B0EA}" type="datetime1">
               <a:rPr lang="en-US" smtClean="0"/>
-              <a:t>4/8/2021</a:t>
+              <a:t>7/12/2021</a:t>
             </a:fld>
             <a:endParaRPr lang="en-US" dirty="0"/>
           </a:p>
@@ -8790,7 +8790,7 @@
             <a:fld id="{E778CE86-875F-4587-BCF6-FA054AFC0D53}" type="datetime1">
               <a:rPr lang="en-US" smtClean="0"/>
               <a:pPr/>
-              <a:t>4/8/2021</a:t>
+              <a:t>7/12/2021</a:t>
             </a:fld>
             <a:endParaRPr lang="en-US" dirty="0"/>
           </a:p>
@@ -9306,7 +9306,7 @@
           <a:p>
             <a:fld id="{F6FA2B21-3FCD-4721-B95C-427943F61125}" type="datetime1">
               <a:rPr lang="en-US" smtClean="0"/>
-              <a:t>4/8/2021</a:t>
+              <a:t>7/12/2021</a:t>
             </a:fld>
             <a:endParaRPr lang="en-US" dirty="0"/>
           </a:p>
@@ -11248,6 +11248,16 @@
                 <a:spcPct val="90000"/>
               </a:lnSpc>
             </a:pPr>
+            <a:r>
+              <a:rPr lang="en-CA" dirty="0"/>
+              <a:t>Video: </a:t>
+            </a:r>
+            <a:r>
+              <a:rPr lang="en-CA" dirty="0">
+                <a:hlinkClick r:id="rId3"/>
+              </a:rPr>
+              <a:t>https://www.youtube.com/watch?v=ygUNvQU3yDc</a:t>
+            </a:r>
             <a:endParaRPr lang="en-CA" dirty="0"/>
           </a:p>
         </p:txBody>
@@ -13391,15 +13401,6 @@
 </file>
 
 <file path=customXml/item2.xml><?xml version="1.0" encoding="utf-8"?>
-<?mso-contentType ?>
-<FormTemplates xmlns="http://schemas.microsoft.com/sharepoint/v3/contenttype/forms">
-  <Display>DocumentLibraryForm</Display>
-  <Edit>DocumentLibraryForm</Edit>
-  <New>DocumentLibraryForm</New>
-</FormTemplates>
-</file>
-
-<file path=customXml/item3.xml><?xml version="1.0" encoding="utf-8"?>
 <ct:contentTypeSchema xmlns:ct="http://schemas.microsoft.com/office/2006/metadata/contentType" xmlns:ma="http://schemas.microsoft.com/office/2006/metadata/properties/metaAttributes" ct:_="" ma:_="" ma:contentTypeName="Document" ma:contentTypeID="0x01010079F111ED35F8CC479449609E8A0923A6" ma:contentTypeVersion="12" ma:contentTypeDescription="Create a new document." ma:contentTypeScope="" ma:versionID="a410dd7f93c95333ffa1b60ed6adedd1">
   <xsd:schema xmlns:xsd="http://www.w3.org/2001/XMLSchema" xmlns:xs="http://www.w3.org/2001/XMLSchema" xmlns:p="http://schemas.microsoft.com/office/2006/metadata/properties" xmlns:ns2="71af3243-3dd4-4a8d-8c0d-dd76da1f02a5" xmlns:ns3="16c05727-aa75-4e4a-9b5f-8a80a1165891" targetNamespace="http://schemas.microsoft.com/office/2006/metadata/properties" ma:root="true" ma:fieldsID="a936d9baba76aa3866493feff160faab" ns2:_="" ns3:_="">
     <xsd:import namespace="71af3243-3dd4-4a8d-8c0d-dd76da1f02a5"/>
@@ -13620,6 +13621,15 @@
 </ct:contentTypeSchema>
 </file>
 
+<file path=customXml/item3.xml><?xml version="1.0" encoding="utf-8"?>
+<?mso-contentType ?>
+<FormTemplates xmlns="http://schemas.microsoft.com/sharepoint/v3/contenttype/forms">
+  <Display>DocumentLibraryForm</Display>
+  <Edit>DocumentLibraryForm</Edit>
+  <New>DocumentLibraryForm</New>
+</FormTemplates>
+</file>
+
 <file path=customXml/itemProps1.xml><?xml version="1.0" encoding="utf-8"?>
 <ds:datastoreItem xmlns:ds="http://schemas.openxmlformats.org/officeDocument/2006/customXml" ds:itemID="{137651BA-F45C-4845-9AB3-E0A65B39F5E1}">
   <ds:schemaRefs>
@@ -13638,14 +13648,6 @@
 </file>
 
 <file path=customXml/itemProps2.xml><?xml version="1.0" encoding="utf-8"?>
-<ds:datastoreItem xmlns:ds="http://schemas.openxmlformats.org/officeDocument/2006/customXml" ds:itemID="{CDB58277-F8DF-46FF-84EC-EF41B835E69F}">
-  <ds:schemaRefs>
-    <ds:schemaRef ds:uri="http://schemas.microsoft.com/sharepoint/v3/contenttype/forms"/>
-  </ds:schemaRefs>
-</ds:datastoreItem>
-</file>
-
-<file path=customXml/itemProps3.xml><?xml version="1.0" encoding="utf-8"?>
 <ds:datastoreItem xmlns:ds="http://schemas.openxmlformats.org/officeDocument/2006/customXml" ds:itemID="{2D276E62-80A3-44DD-9BCC-97ED2B99B57F}">
   <ds:schemaRefs>
     <ds:schemaRef ds:uri="http://schemas.microsoft.com/office/2006/metadata/contentType"/>
@@ -13662,4 +13664,12 @@
     <ds:schemaRef ds:uri="http://schemas.microsoft.com/internal/obd"/>
   </ds:schemaRefs>
 </ds:datastoreItem>
+</file>
+
+<file path=customXml/itemProps3.xml><?xml version="1.0" encoding="utf-8"?>
+<ds:datastoreItem xmlns:ds="http://schemas.openxmlformats.org/officeDocument/2006/customXml" ds:itemID="{CDB58277-F8DF-46FF-84EC-EF41B835E69F}">
+  <ds:schemaRefs>
+    <ds:schemaRef ds:uri="http://schemas.microsoft.com/sharepoint/v3/contenttype/forms"/>
+  </ds:schemaRefs>
+</ds:datastoreItem>
 </file>